--- a/Documents/Project.pptx
+++ b/Documents/Project.pptx
@@ -7,17 +7,17 @@
   <p:sldIdLst>
     <p:sldId id="256" r:id="rId2"/>
     <p:sldId id="257" r:id="rId3"/>
-    <p:sldId id="258" r:id="rId4"/>
-    <p:sldId id="259" r:id="rId5"/>
+    <p:sldId id="259" r:id="rId4"/>
+    <p:sldId id="258" r:id="rId5"/>
     <p:sldId id="289" r:id="rId6"/>
     <p:sldId id="290" r:id="rId7"/>
     <p:sldId id="291" r:id="rId8"/>
     <p:sldId id="292" r:id="rId9"/>
-    <p:sldId id="260" r:id="rId10"/>
-    <p:sldId id="287" r:id="rId11"/>
-    <p:sldId id="261" r:id="rId12"/>
-    <p:sldId id="262" r:id="rId13"/>
-    <p:sldId id="263" r:id="rId14"/>
+    <p:sldId id="293" r:id="rId10"/>
+    <p:sldId id="294" r:id="rId11"/>
+    <p:sldId id="260" r:id="rId12"/>
+    <p:sldId id="287" r:id="rId13"/>
+    <p:sldId id="261" r:id="rId14"/>
     <p:sldId id="264" r:id="rId15"/>
     <p:sldId id="276" r:id="rId16"/>
     <p:sldId id="265" r:id="rId17"/>
@@ -136,7 +136,7 @@
   </p:defaultTextStyle>
   <p:extLst>
     <p:ext uri="{EFAFB233-063F-42B5-8137-9DF3F51BA10A}">
-      <p15:sldGuideLst xmlns:p15="http://schemas.microsoft.com/office/powerpoint/2012/main" xmlns="">
+      <p15:sldGuideLst xmlns:p15="http://schemas.microsoft.com/office/powerpoint/2012/main">
         <p15:guide id="1" orient="horz" pos="2160">
           <p15:clr>
             <a:srgbClr val="A4A3A4"/>
@@ -291,7 +291,7 @@
             <a:fld id="{1D8BD707-D9CF-40AE-B4C6-C98DA3205C09}" type="datetimeFigureOut">
               <a:rPr lang="en-US" smtClean="0"/>
               <a:pPr/>
-              <a:t>5/16/2014</a:t>
+              <a:t>22-May-14</a:t>
             </a:fld>
             <a:endParaRPr lang="en-US"/>
           </a:p>
@@ -1162,7 +1162,7 @@
             <a:fld id="{1D8BD707-D9CF-40AE-B4C6-C98DA3205C09}" type="datetimeFigureOut">
               <a:rPr lang="en-US" smtClean="0"/>
               <a:pPr/>
-              <a:t>5/16/2014</a:t>
+              <a:t>22-May-14</a:t>
             </a:fld>
             <a:endParaRPr lang="en-US"/>
           </a:p>
@@ -1339,7 +1339,7 @@
             <a:fld id="{1D8BD707-D9CF-40AE-B4C6-C98DA3205C09}" type="datetimeFigureOut">
               <a:rPr lang="en-US" smtClean="0"/>
               <a:pPr/>
-              <a:t>5/16/2014</a:t>
+              <a:t>22-May-14</a:t>
             </a:fld>
             <a:endParaRPr lang="en-US"/>
           </a:p>
@@ -1511,7 +1511,7 @@
             <a:fld id="{1D8BD707-D9CF-40AE-B4C6-C98DA3205C09}" type="datetimeFigureOut">
               <a:rPr lang="en-US" smtClean="0"/>
               <a:pPr/>
-              <a:t>5/16/2014</a:t>
+              <a:t>22-May-14</a:t>
             </a:fld>
             <a:endParaRPr lang="en-US"/>
           </a:p>
@@ -1723,7 +1723,7 @@
             <a:fld id="{1D8BD707-D9CF-40AE-B4C6-C98DA3205C09}" type="datetimeFigureOut">
               <a:rPr lang="en-US" smtClean="0"/>
               <a:pPr/>
-              <a:t>5/16/2014</a:t>
+              <a:t>22-May-14</a:t>
             </a:fld>
             <a:endParaRPr lang="en-US"/>
           </a:p>
@@ -2539,7 +2539,7 @@
             <a:fld id="{1D8BD707-D9CF-40AE-B4C6-C98DA3205C09}" type="datetimeFigureOut">
               <a:rPr lang="en-US" smtClean="0"/>
               <a:pPr/>
-              <a:t>5/16/2014</a:t>
+              <a:t>22-May-14</a:t>
             </a:fld>
             <a:endParaRPr lang="en-US"/>
           </a:p>
@@ -2777,7 +2777,7 @@
             <a:fld id="{1D8BD707-D9CF-40AE-B4C6-C98DA3205C09}" type="datetimeFigureOut">
               <a:rPr lang="en-US" smtClean="0"/>
               <a:pPr/>
-              <a:t>5/16/2014</a:t>
+              <a:t>22-May-14</a:t>
             </a:fld>
             <a:endParaRPr lang="en-US"/>
           </a:p>
@@ -3102,7 +3102,7 @@
             <a:fld id="{1D8BD707-D9CF-40AE-B4C6-C98DA3205C09}" type="datetimeFigureOut">
               <a:rPr lang="en-US" smtClean="0"/>
               <a:pPr/>
-              <a:t>5/16/2014</a:t>
+              <a:t>22-May-14</a:t>
             </a:fld>
             <a:endParaRPr lang="en-US"/>
           </a:p>
@@ -3194,7 +3194,7 @@
             <a:fld id="{1D8BD707-D9CF-40AE-B4C6-C98DA3205C09}" type="datetimeFigureOut">
               <a:rPr lang="en-US" smtClean="0"/>
               <a:pPr/>
-              <a:t>5/16/2014</a:t>
+              <a:t>22-May-14</a:t>
             </a:fld>
             <a:endParaRPr lang="en-US"/>
           </a:p>
@@ -3713,7 +3713,7 @@
             <a:fld id="{1D8BD707-D9CF-40AE-B4C6-C98DA3205C09}" type="datetimeFigureOut">
               <a:rPr lang="en-US" smtClean="0"/>
               <a:pPr/>
-              <a:t>5/16/2014</a:t>
+              <a:t>22-May-14</a:t>
             </a:fld>
             <a:endParaRPr lang="en-US"/>
           </a:p>
@@ -4226,7 +4226,7 @@
             <a:fld id="{1D8BD707-D9CF-40AE-B4C6-C98DA3205C09}" type="datetimeFigureOut">
               <a:rPr lang="en-US" smtClean="0"/>
               <a:pPr/>
-              <a:t>5/16/2014</a:t>
+              <a:t>22-May-14</a:t>
             </a:fld>
             <a:endParaRPr lang="en-US"/>
           </a:p>
@@ -4473,7 +4473,7 @@
             <a:fld id="{1D8BD707-D9CF-40AE-B4C6-C98DA3205C09}" type="datetimeFigureOut">
               <a:rPr lang="en-US" smtClean="0"/>
               <a:pPr/>
-              <a:t>5/16/2014</a:t>
+              <a:t>22-May-14</a:t>
             </a:fld>
             <a:endParaRPr lang="en-US"/>
           </a:p>
@@ -5201,7 +5201,7 @@
           <a:blip r:embed="rId2" cstate="print">
             <a:extLst>
               <a:ext uri="{28A0092B-C50C-407E-A947-70E740481C1C}">
-                <a14:useLocalDpi xmlns:a14="http://schemas.microsoft.com/office/drawing/2010/main" xmlns="" val="0"/>
+                <a14:useLocalDpi xmlns:a14="http://schemas.microsoft.com/office/drawing/2010/main" val="0"/>
               </a:ext>
             </a:extLst>
           </a:blip>
@@ -5221,7 +5221,7 @@
           <a:noFill/>
           <a:extLst>
             <a:ext uri="{909E8E84-426E-40DD-AFC4-6F175D3DCCD1}">
-              <a14:hiddenFill xmlns:a14="http://schemas.microsoft.com/office/drawing/2010/main" xmlns="">
+              <a14:hiddenFill xmlns:a14="http://schemas.microsoft.com/office/drawing/2010/main">
                 <a:solidFill>
                   <a:srgbClr val="FFFFFF"/>
                 </a:solidFill>
@@ -5475,14 +5475,14 @@
           </a:ln>
           <a:extLst>
             <a:ext uri="{909E8E84-426E-40DD-AFC4-6F175D3DCCD1}">
-              <a14:hiddenFill xmlns:a14="http://schemas.microsoft.com/office/drawing/2010/main" xmlns="">
+              <a14:hiddenFill xmlns:a14="http://schemas.microsoft.com/office/drawing/2010/main">
                 <a:solidFill>
                   <a:srgbClr val="FFFFFF"/>
                 </a:solidFill>
               </a14:hiddenFill>
             </a:ext>
             <a:ext uri="{91240B29-F687-4F45-9708-019B960494DF}">
-              <a14:hiddenLine xmlns:a14="http://schemas.microsoft.com/office/drawing/2010/main" xmlns="" w="9525">
+              <a14:hiddenLine xmlns:a14="http://schemas.microsoft.com/office/drawing/2010/main" w="9525">
                 <a:solidFill>
                   <a:srgbClr val="000000"/>
                 </a:solidFill>
@@ -5659,7 +5659,7 @@
     </p:spTree>
     <p:extLst>
       <p:ext uri="{BB962C8B-B14F-4D97-AF65-F5344CB8AC3E}">
-        <p14:creationId xmlns:p14="http://schemas.microsoft.com/office/powerpoint/2010/main" xmlns="" val="2949129199"/>
+        <p14:creationId xmlns:p14="http://schemas.microsoft.com/office/powerpoint/2010/main" val="2949129199"/>
       </p:ext>
     </p:extLst>
   </p:cSld>
@@ -5695,6 +5695,324 @@
       </p:grpSpPr>
       <p:sp>
         <p:nvSpPr>
+          <p:cNvPr id="3" name="Content Placeholder 2"/>
+          <p:cNvSpPr>
+            <a:spLocks noGrp="1"/>
+          </p:cNvSpPr>
+          <p:nvPr>
+            <p:ph sz="quarter" idx="1"/>
+          </p:nvPr>
+        </p:nvSpPr>
+        <p:spPr/>
+        <p:txBody>
+          <a:bodyPr/>
+          <a:lstStyle/>
+          <a:p>
+            <a:pPr algn="just"/>
+            <a:r>
+              <a:rPr lang="en-US" dirty="0" smtClean="0"/>
+              <a:t>Can make a social network between blood donor &amp; blood seeker</a:t>
+            </a:r>
+            <a:endParaRPr lang="bn-BD" dirty="0"/>
+          </a:p>
+          <a:p>
+            <a:pPr algn="just"/>
+            <a:r>
+              <a:rPr lang="en-US" dirty="0" smtClean="0"/>
+              <a:t>He</a:t>
+            </a:r>
+            <a:r>
+              <a:rPr lang="bn-BD" dirty="0" smtClean="0"/>
+              <a:t> can fulfull his social resposibility by this job</a:t>
+            </a:r>
+          </a:p>
+          <a:p>
+            <a:pPr algn="just"/>
+            <a:r>
+              <a:rPr lang="en-US" dirty="0" smtClean="0"/>
+              <a:t>H</a:t>
+            </a:r>
+            <a:r>
+              <a:rPr lang="bn-BD" dirty="0" smtClean="0"/>
+              <a:t>e can get financial facilities in future on basis of his site’s popularity</a:t>
+            </a:r>
+          </a:p>
+          <a:p>
+            <a:pPr algn="just"/>
+            <a:r>
+              <a:rPr lang="bn-BD" dirty="0" smtClean="0"/>
+              <a:t>He can be a known person to everyone easily.</a:t>
+            </a:r>
+          </a:p>
+          <a:p>
+            <a:endParaRPr lang="bn-BD" dirty="0"/>
+          </a:p>
+        </p:txBody>
+      </p:sp>
+      <p:sp>
+        <p:nvSpPr>
+          <p:cNvPr id="5" name="Title 3"/>
+          <p:cNvSpPr>
+            <a:spLocks noGrp="1"/>
+          </p:cNvSpPr>
+          <p:nvPr>
+            <p:ph type="title"/>
+          </p:nvPr>
+        </p:nvSpPr>
+        <p:spPr>
+          <a:prstGeom prst="rect">
+            <a:avLst/>
+          </a:prstGeom>
+        </p:spPr>
+        <p:style>
+          <a:lnRef idx="2">
+            <a:schemeClr val="accent1">
+              <a:shade val="50000"/>
+            </a:schemeClr>
+          </a:lnRef>
+          <a:fillRef idx="1">
+            <a:schemeClr val="accent1"/>
+          </a:fillRef>
+          <a:effectRef idx="0">
+            <a:schemeClr val="accent1"/>
+          </a:effectRef>
+          <a:fontRef idx="minor">
+            <a:schemeClr val="lt1"/>
+          </a:fontRef>
+        </p:style>
+        <p:txBody>
+          <a:bodyPr rtlCol="0" anchor="ctr"/>
+          <a:lstStyle/>
+          <a:p>
+            <a:pPr algn="ctr"/>
+            <a:r>
+              <a:rPr lang="en-US" b="1" u="sng" dirty="0" smtClean="0">
+                <a:latin typeface="Lucida Handwriting" pitchFamily="66" charset="0"/>
+              </a:rPr>
+              <a:t>Administrators Benefits from this social networking site</a:t>
+            </a:r>
+            <a:endParaRPr lang="en-US" b="1" u="sng" dirty="0">
+              <a:latin typeface="Lucida Handwriting" pitchFamily="66" charset="0"/>
+            </a:endParaRPr>
+          </a:p>
+        </p:txBody>
+      </p:sp>
+    </p:spTree>
+    <p:extLst>
+      <p:ext uri="{BB962C8B-B14F-4D97-AF65-F5344CB8AC3E}">
+        <p14:creationId xmlns:p14="http://schemas.microsoft.com/office/powerpoint/2010/main" val="2691428249"/>
+      </p:ext>
+    </p:extLst>
+  </p:cSld>
+  <p:clrMapOvr>
+    <a:masterClrMapping/>
+  </p:clrMapOvr>
+</p:sld>
+</file>
+
+<file path=ppt/slides/slide11.xml><?xml version="1.0" encoding="utf-8"?>
+<p:sld xmlns:a="http://schemas.openxmlformats.org/drawingml/2006/main" xmlns:r="http://schemas.openxmlformats.org/officeDocument/2006/relationships" xmlns:p="http://schemas.openxmlformats.org/presentationml/2006/main">
+  <p:cSld>
+    <p:spTree>
+      <p:nvGrpSpPr>
+        <p:cNvPr id="1" name=""/>
+        <p:cNvGrpSpPr/>
+        <p:nvPr/>
+      </p:nvGrpSpPr>
+      <p:grpSpPr>
+        <a:xfrm>
+          <a:off x="0" y="0"/>
+          <a:ext cx="0" cy="0"/>
+          <a:chOff x="0" y="0"/>
+          <a:chExt cx="0" cy="0"/>
+        </a:xfrm>
+      </p:grpSpPr>
+      <p:sp>
+        <p:nvSpPr>
+          <p:cNvPr id="3" name="Content Placeholder 2"/>
+          <p:cNvSpPr>
+            <a:spLocks noGrp="1"/>
+          </p:cNvSpPr>
+          <p:nvPr>
+            <p:ph sz="quarter" idx="1"/>
+          </p:nvPr>
+        </p:nvSpPr>
+        <p:spPr/>
+        <p:txBody>
+          <a:bodyPr/>
+          <a:lstStyle/>
+          <a:p>
+            <a:pPr algn="just"/>
+            <a:r>
+              <a:rPr lang="en-US" dirty="0" smtClean="0"/>
+              <a:t>Microsoft </a:t>
+            </a:r>
+            <a:r>
+              <a:rPr lang="en-US" dirty="0"/>
+              <a:t>Visual Studio </a:t>
+            </a:r>
+            <a:r>
+              <a:rPr lang="en-US" dirty="0" smtClean="0"/>
+              <a:t>2010 as </a:t>
+            </a:r>
+            <a:r>
+              <a:rPr lang="en-US" dirty="0"/>
+              <a:t>Integrated Development Environment (IDE) </a:t>
+            </a:r>
+            <a:r>
+              <a:rPr lang="en-US" dirty="0" smtClean="0"/>
+              <a:t>tool</a:t>
+            </a:r>
+          </a:p>
+          <a:p>
+            <a:pPr algn="just"/>
+            <a:r>
+              <a:rPr lang="en-US" dirty="0"/>
+              <a:t>SQL Server Express </a:t>
+            </a:r>
+            <a:r>
+              <a:rPr lang="en-US" dirty="0" smtClean="0"/>
+              <a:t>edition for </a:t>
+            </a:r>
+            <a:r>
+              <a:rPr lang="en-US" dirty="0"/>
+              <a:t>Database Management System (DBMS</a:t>
+            </a:r>
+            <a:r>
+              <a:rPr lang="en-US" dirty="0" smtClean="0"/>
+              <a:t>)</a:t>
+            </a:r>
+          </a:p>
+          <a:p>
+            <a:pPr algn="just"/>
+            <a:r>
+              <a:rPr lang="en-US" dirty="0"/>
+              <a:t>Server Container: MS </a:t>
+            </a:r>
+            <a:r>
+              <a:rPr lang="en-US" dirty="0" smtClean="0"/>
+              <a:t>IIS</a:t>
+            </a:r>
+          </a:p>
+          <a:p>
+            <a:pPr algn="just"/>
+            <a:r>
+              <a:rPr lang="en-US" dirty="0"/>
+              <a:t>Technology: </a:t>
+            </a:r>
+            <a:r>
+              <a:rPr lang="en-US" dirty="0" err="1"/>
+              <a:t>ASP.Net</a:t>
+            </a:r>
+            <a:r>
+              <a:rPr lang="en-US" dirty="0"/>
+              <a:t> 3.2, </a:t>
+            </a:r>
+            <a:r>
+              <a:rPr lang="en-US" dirty="0" err="1"/>
+              <a:t>JQuery</a:t>
+            </a:r>
+            <a:r>
+              <a:rPr lang="en-US" dirty="0"/>
+              <a:t>, XML, JavaScript, Ajax, HTML, </a:t>
+            </a:r>
+            <a:r>
+              <a:rPr lang="en-US" dirty="0" smtClean="0"/>
+              <a:t>CSS</a:t>
+            </a:r>
+          </a:p>
+          <a:p>
+            <a:endParaRPr lang="en-US" dirty="0"/>
+          </a:p>
+        </p:txBody>
+      </p:sp>
+      <p:sp>
+        <p:nvSpPr>
+          <p:cNvPr id="4" name="Title 3"/>
+          <p:cNvSpPr>
+            <a:spLocks noGrp="1"/>
+          </p:cNvSpPr>
+          <p:nvPr>
+            <p:ph type="title"/>
+          </p:nvPr>
+        </p:nvSpPr>
+        <p:spPr>
+          <a:prstGeom prst="rect">
+            <a:avLst/>
+          </a:prstGeom>
+        </p:spPr>
+        <p:style>
+          <a:lnRef idx="2">
+            <a:schemeClr val="accent1">
+              <a:shade val="50000"/>
+            </a:schemeClr>
+          </a:lnRef>
+          <a:fillRef idx="1">
+            <a:schemeClr val="accent1"/>
+          </a:fillRef>
+          <a:effectRef idx="0">
+            <a:schemeClr val="accent1"/>
+          </a:effectRef>
+          <a:fontRef idx="minor">
+            <a:schemeClr val="lt1"/>
+          </a:fontRef>
+        </p:style>
+        <p:txBody>
+          <a:bodyPr rtlCol="0" anchor="ctr"/>
+          <a:lstStyle/>
+          <a:p>
+            <a:pPr algn="ctr"/>
+            <a:r>
+              <a:rPr lang="en-US" b="1" u="sng" dirty="0" smtClean="0">
+                <a:latin typeface="Lucida Handwriting" pitchFamily="66" charset="0"/>
+              </a:rPr>
+              <a:t>Tools used for this project</a:t>
+            </a:r>
+            <a:endParaRPr lang="en-US" b="1" u="sng" dirty="0">
+              <a:latin typeface="Lucida Handwriting" pitchFamily="66" charset="0"/>
+            </a:endParaRPr>
+          </a:p>
+        </p:txBody>
+      </p:sp>
+    </p:spTree>
+    <p:extLst>
+      <p:ext uri="{BB962C8B-B14F-4D97-AF65-F5344CB8AC3E}">
+        <p14:creationId xmlns:p14="http://schemas.microsoft.com/office/powerpoint/2010/main" val="621786461"/>
+      </p:ext>
+    </p:extLst>
+  </p:cSld>
+  <p:clrMapOvr>
+    <a:masterClrMapping/>
+  </p:clrMapOvr>
+  <p:timing>
+    <p:tnLst>
+      <p:par>
+        <p:cTn id="1" dur="indefinite" restart="never" nodeType="tmRoot"/>
+      </p:par>
+    </p:tnLst>
+  </p:timing>
+</p:sld>
+</file>
+
+<file path=ppt/slides/slide12.xml><?xml version="1.0" encoding="utf-8"?>
+<p:sld xmlns:a="http://schemas.openxmlformats.org/drawingml/2006/main" xmlns:r="http://schemas.openxmlformats.org/officeDocument/2006/relationships" xmlns:p="http://schemas.openxmlformats.org/presentationml/2006/main">
+  <p:cSld>
+    <p:spTree>
+      <p:nvGrpSpPr>
+        <p:cNvPr id="1" name=""/>
+        <p:cNvGrpSpPr/>
+        <p:nvPr/>
+      </p:nvGrpSpPr>
+      <p:grpSpPr>
+        <a:xfrm>
+          <a:off x="0" y="0"/>
+          <a:ext cx="0" cy="0"/>
+          <a:chOff x="0" y="0"/>
+          <a:chExt cx="0" cy="0"/>
+        </a:xfrm>
+      </p:grpSpPr>
+      <p:sp>
+        <p:nvSpPr>
           <p:cNvPr id="4" name="Title 3"/>
           <p:cNvSpPr>
             <a:spLocks noGrp="1"/>
@@ -5784,7 +6102,7 @@
             </a:ln>
             <a:extLst>
               <a:ext uri="{909E8E84-426E-40DD-AFC4-6F175D3DCCD1}">
-                <a14:hiddenFill xmlns:a14="http://schemas.microsoft.com/office/drawing/2010/main" xmlns="">
+                <a14:hiddenFill xmlns:a14="http://schemas.microsoft.com/office/drawing/2010/main">
                   <a:noFill/>
                 </a14:hiddenFill>
               </a:ext>
@@ -5822,7 +6140,7 @@
             </a:ln>
             <a:extLst>
               <a:ext uri="{91240B29-F687-4F45-9708-019B960494DF}">
-                <a14:hiddenLine xmlns:a14="http://schemas.microsoft.com/office/drawing/2010/main" xmlns="" w="9525">
+                <a14:hiddenLine xmlns:a14="http://schemas.microsoft.com/office/drawing/2010/main" w="9525">
                   <a:solidFill>
                     <a:srgbClr val="000000"/>
                   </a:solidFill>
@@ -6416,7 +6734,7 @@
     </p:spTree>
     <p:extLst>
       <p:ext uri="{BB962C8B-B14F-4D97-AF65-F5344CB8AC3E}">
-        <p14:creationId xmlns:p14="http://schemas.microsoft.com/office/powerpoint/2010/main" xmlns="" val="1190563756"/>
+        <p14:creationId xmlns:p14="http://schemas.microsoft.com/office/powerpoint/2010/main" val="1190563756"/>
       </p:ext>
     </p:extLst>
   </p:cSld>
@@ -6550,7 +6868,7 @@
 </p:sld>
 </file>
 
-<file path=ppt/slides/slide11.xml><?xml version="1.0" encoding="utf-8"?>
+<file path=ppt/slides/slide13.xml><?xml version="1.0" encoding="utf-8"?>
 <p:sld xmlns:a="http://schemas.openxmlformats.org/drawingml/2006/main" xmlns:r="http://schemas.openxmlformats.org/officeDocument/2006/relationships" xmlns:p="http://schemas.openxmlformats.org/presentationml/2006/main">
   <p:cSld>
     <p:spTree>
@@ -6581,7 +6899,7 @@
           <a:blip r:embed="rId2" cstate="print">
             <a:extLst>
               <a:ext uri="{28A0092B-C50C-407E-A947-70E740481C1C}">
-                <a14:useLocalDpi xmlns:a14="http://schemas.microsoft.com/office/drawing/2010/main" xmlns="" val="0"/>
+                <a14:useLocalDpi xmlns:a14="http://schemas.microsoft.com/office/drawing/2010/main" val="0"/>
               </a:ext>
             </a:extLst>
           </a:blip>
@@ -6655,310 +6973,7 @@
     </p:spTree>
     <p:extLst>
       <p:ext uri="{BB962C8B-B14F-4D97-AF65-F5344CB8AC3E}">
-        <p14:creationId xmlns:p14="http://schemas.microsoft.com/office/powerpoint/2010/main" xmlns="" val="3760280345"/>
-      </p:ext>
-    </p:extLst>
-  </p:cSld>
-  <p:clrMapOvr>
-    <a:masterClrMapping/>
-  </p:clrMapOvr>
-  <p:timing>
-    <p:tnLst>
-      <p:par>
-        <p:cTn id="1" dur="indefinite" restart="never" nodeType="tmRoot"/>
-      </p:par>
-    </p:tnLst>
-  </p:timing>
-</p:sld>
-</file>
-
-<file path=ppt/slides/slide12.xml><?xml version="1.0" encoding="utf-8"?>
-<p:sld xmlns:a="http://schemas.openxmlformats.org/drawingml/2006/main" xmlns:r="http://schemas.openxmlformats.org/officeDocument/2006/relationships" xmlns:p="http://schemas.openxmlformats.org/presentationml/2006/main">
-  <p:cSld>
-    <p:spTree>
-      <p:nvGrpSpPr>
-        <p:cNvPr id="1" name=""/>
-        <p:cNvGrpSpPr/>
-        <p:nvPr/>
-      </p:nvGrpSpPr>
-      <p:grpSpPr>
-        <a:xfrm>
-          <a:off x="0" y="0"/>
-          <a:ext cx="0" cy="0"/>
-          <a:chOff x="0" y="0"/>
-          <a:chExt cx="0" cy="0"/>
-        </a:xfrm>
-      </p:grpSpPr>
-      <p:sp>
-        <p:nvSpPr>
-          <p:cNvPr id="3" name="Content Placeholder 2"/>
-          <p:cNvSpPr>
-            <a:spLocks noGrp="1"/>
-          </p:cNvSpPr>
-          <p:nvPr>
-            <p:ph sz="quarter" idx="1"/>
-          </p:nvPr>
-        </p:nvSpPr>
-        <p:spPr/>
-        <p:txBody>
-          <a:bodyPr/>
-          <a:lstStyle/>
-          <a:p>
-            <a:pPr marL="0" indent="0" algn="just">
-              <a:buNone/>
-            </a:pPr>
-            <a:r>
-              <a:rPr lang="en-US" dirty="0" smtClean="0"/>
-              <a:t>Basically two types of user are Blood Donor &amp; Blood Seeker</a:t>
-            </a:r>
-          </a:p>
-          <a:p>
-            <a:pPr algn="just"/>
-            <a:r>
-              <a:rPr lang="en-US" sz="2000" dirty="0" smtClean="0"/>
-              <a:t>Can get efficient </a:t>
-            </a:r>
-            <a:r>
-              <a:rPr lang="en-US" sz="2000" dirty="0"/>
-              <a:t>donor and blood stock management functions</a:t>
-            </a:r>
-            <a:endParaRPr lang="en-US" sz="2000" dirty="0" smtClean="0"/>
-          </a:p>
-          <a:p>
-            <a:pPr algn="just"/>
-            <a:r>
-              <a:rPr lang="en-US" sz="2000" dirty="0" smtClean="0"/>
-              <a:t>Blood Donor can create profile for blood seeker to get info about them</a:t>
-            </a:r>
-          </a:p>
-          <a:p>
-            <a:pPr algn="just"/>
-            <a:r>
-              <a:rPr lang="en-US" sz="2000" dirty="0" smtClean="0"/>
-              <a:t>Blood </a:t>
-            </a:r>
-            <a:r>
-              <a:rPr lang="en-US" sz="2000" dirty="0"/>
-              <a:t>Donor </a:t>
-            </a:r>
-            <a:r>
-              <a:rPr lang="en-US" sz="2000" dirty="0" smtClean="0"/>
-              <a:t> can denote blood in request from blood seeker</a:t>
-            </a:r>
-          </a:p>
-          <a:p>
-            <a:pPr algn="just"/>
-            <a:r>
-              <a:rPr lang="en-US" sz="2000" dirty="0" smtClean="0"/>
-              <a:t>Blood Seeker easily get details info about nearest blood donor.</a:t>
-            </a:r>
-          </a:p>
-          <a:p>
-            <a:pPr algn="just"/>
-            <a:r>
-              <a:rPr lang="en-US" sz="2000" dirty="0"/>
-              <a:t>Blood Seeker </a:t>
-            </a:r>
-            <a:r>
-              <a:rPr lang="en-US" sz="2000" dirty="0" smtClean="0"/>
-              <a:t> can make request on urgent &amp; need basis.</a:t>
-            </a:r>
-          </a:p>
-        </p:txBody>
-      </p:sp>
-      <p:sp>
-        <p:nvSpPr>
-          <p:cNvPr id="4" name="Title 3"/>
-          <p:cNvSpPr>
-            <a:spLocks noGrp="1"/>
-          </p:cNvSpPr>
-          <p:nvPr>
-            <p:ph type="title"/>
-          </p:nvPr>
-        </p:nvSpPr>
-        <p:spPr>
-          <a:prstGeom prst="rect">
-            <a:avLst/>
-          </a:prstGeom>
-        </p:spPr>
-        <p:style>
-          <a:lnRef idx="2">
-            <a:schemeClr val="accent1">
-              <a:shade val="50000"/>
-            </a:schemeClr>
-          </a:lnRef>
-          <a:fillRef idx="1">
-            <a:schemeClr val="accent1"/>
-          </a:fillRef>
-          <a:effectRef idx="0">
-            <a:schemeClr val="accent1"/>
-          </a:effectRef>
-          <a:fontRef idx="minor">
-            <a:schemeClr val="lt1"/>
-          </a:fontRef>
-        </p:style>
-        <p:txBody>
-          <a:bodyPr rtlCol="0" anchor="ctr"/>
-          <a:lstStyle/>
-          <a:p>
-            <a:pPr algn="ctr"/>
-            <a:r>
-              <a:rPr lang="en-US" b="1" u="sng" dirty="0" smtClean="0">
-                <a:latin typeface="Lucida Handwriting" pitchFamily="66" charset="0"/>
-              </a:rPr>
-              <a:t>User Benefits from this social networking site</a:t>
-            </a:r>
-            <a:endParaRPr lang="en-US" b="1" u="sng" dirty="0">
-              <a:latin typeface="Lucida Handwriting" pitchFamily="66" charset="0"/>
-            </a:endParaRPr>
-          </a:p>
-        </p:txBody>
-      </p:sp>
-    </p:spTree>
-    <p:extLst>
-      <p:ext uri="{BB962C8B-B14F-4D97-AF65-F5344CB8AC3E}">
-        <p14:creationId xmlns:p14="http://schemas.microsoft.com/office/powerpoint/2010/main" xmlns="" val="3208589852"/>
-      </p:ext>
-    </p:extLst>
-  </p:cSld>
-  <p:clrMapOvr>
-    <a:masterClrMapping/>
-  </p:clrMapOvr>
-  <p:timing>
-    <p:tnLst>
-      <p:par>
-        <p:cTn id="1" dur="indefinite" restart="never" nodeType="tmRoot"/>
-      </p:par>
-    </p:tnLst>
-  </p:timing>
-</p:sld>
-</file>
-
-<file path=ppt/slides/slide13.xml><?xml version="1.0" encoding="utf-8"?>
-<p:sld xmlns:a="http://schemas.openxmlformats.org/drawingml/2006/main" xmlns:r="http://schemas.openxmlformats.org/officeDocument/2006/relationships" xmlns:p="http://schemas.openxmlformats.org/presentationml/2006/main">
-  <p:cSld>
-    <p:spTree>
-      <p:nvGrpSpPr>
-        <p:cNvPr id="1" name=""/>
-        <p:cNvGrpSpPr/>
-        <p:nvPr/>
-      </p:nvGrpSpPr>
-      <p:grpSpPr>
-        <a:xfrm>
-          <a:off x="0" y="0"/>
-          <a:ext cx="0" cy="0"/>
-          <a:chOff x="0" y="0"/>
-          <a:chExt cx="0" cy="0"/>
-        </a:xfrm>
-      </p:grpSpPr>
-      <p:sp>
-        <p:nvSpPr>
-          <p:cNvPr id="3" name="Content Placeholder 2"/>
-          <p:cNvSpPr>
-            <a:spLocks noGrp="1"/>
-          </p:cNvSpPr>
-          <p:nvPr>
-            <p:ph sz="quarter" idx="1"/>
-          </p:nvPr>
-        </p:nvSpPr>
-        <p:spPr/>
-        <p:txBody>
-          <a:bodyPr/>
-          <a:lstStyle/>
-          <a:p>
-            <a:pPr algn="just"/>
-            <a:r>
-              <a:rPr lang="en-US" dirty="0" smtClean="0"/>
-              <a:t>Can make a social network between blood donor &amp; blood seeker</a:t>
-            </a:r>
-            <a:endParaRPr lang="bn-BD" dirty="0"/>
-          </a:p>
-          <a:p>
-            <a:pPr algn="just"/>
-            <a:r>
-              <a:rPr lang="en-US" dirty="0" smtClean="0"/>
-              <a:t>He</a:t>
-            </a:r>
-            <a:r>
-              <a:rPr lang="bn-BD" dirty="0" smtClean="0"/>
-              <a:t> can fulfull his social resposibility by this job</a:t>
-            </a:r>
-          </a:p>
-          <a:p>
-            <a:pPr algn="just"/>
-            <a:r>
-              <a:rPr lang="en-US" dirty="0" smtClean="0"/>
-              <a:t>H</a:t>
-            </a:r>
-            <a:r>
-              <a:rPr lang="bn-BD" dirty="0" smtClean="0"/>
-              <a:t>e can get financial facilities in future on basis of his site’s popularity</a:t>
-            </a:r>
-          </a:p>
-          <a:p>
-            <a:pPr algn="just"/>
-            <a:r>
-              <a:rPr lang="bn-BD" dirty="0" smtClean="0"/>
-              <a:t>He can be a known person to everyone easily.</a:t>
-            </a:r>
-          </a:p>
-          <a:p>
-            <a:endParaRPr lang="bn-BD" dirty="0"/>
-          </a:p>
-        </p:txBody>
-      </p:sp>
-      <p:sp>
-        <p:nvSpPr>
-          <p:cNvPr id="5" name="Title 3"/>
-          <p:cNvSpPr>
-            <a:spLocks noGrp="1"/>
-          </p:cNvSpPr>
-          <p:nvPr>
-            <p:ph type="title"/>
-          </p:nvPr>
-        </p:nvSpPr>
-        <p:spPr>
-          <a:prstGeom prst="rect">
-            <a:avLst/>
-          </a:prstGeom>
-        </p:spPr>
-        <p:style>
-          <a:lnRef idx="2">
-            <a:schemeClr val="accent1">
-              <a:shade val="50000"/>
-            </a:schemeClr>
-          </a:lnRef>
-          <a:fillRef idx="1">
-            <a:schemeClr val="accent1"/>
-          </a:fillRef>
-          <a:effectRef idx="0">
-            <a:schemeClr val="accent1"/>
-          </a:effectRef>
-          <a:fontRef idx="minor">
-            <a:schemeClr val="lt1"/>
-          </a:fontRef>
-        </p:style>
-        <p:txBody>
-          <a:bodyPr rtlCol="0" anchor="ctr"/>
-          <a:lstStyle/>
-          <a:p>
-            <a:pPr algn="ctr"/>
-            <a:r>
-              <a:rPr lang="en-US" b="1" u="sng" dirty="0" smtClean="0">
-                <a:latin typeface="Lucida Handwriting" pitchFamily="66" charset="0"/>
-              </a:rPr>
-              <a:t>Administrators Benefits from this social networking site</a:t>
-            </a:r>
-            <a:endParaRPr lang="en-US" b="1" u="sng" dirty="0">
-              <a:latin typeface="Lucida Handwriting" pitchFamily="66" charset="0"/>
-            </a:endParaRPr>
-          </a:p>
-        </p:txBody>
-      </p:sp>
-    </p:spTree>
-    <p:extLst>
-      <p:ext uri="{BB962C8B-B14F-4D97-AF65-F5344CB8AC3E}">
-        <p14:creationId xmlns:p14="http://schemas.microsoft.com/office/powerpoint/2010/main" xmlns="" val="3747733871"/>
+        <p14:creationId xmlns:p14="http://schemas.microsoft.com/office/powerpoint/2010/main" val="3760280345"/>
       </p:ext>
     </p:extLst>
   </p:cSld>
@@ -7123,20 +7138,13 @@
     </p:spTree>
     <p:extLst>
       <p:ext uri="{BB962C8B-B14F-4D97-AF65-F5344CB8AC3E}">
-        <p14:creationId xmlns:p14="http://schemas.microsoft.com/office/powerpoint/2010/main" xmlns="" val="1210706953"/>
+        <p14:creationId xmlns:p14="http://schemas.microsoft.com/office/powerpoint/2010/main" val="1210706953"/>
       </p:ext>
     </p:extLst>
   </p:cSld>
   <p:clrMapOvr>
     <a:masterClrMapping/>
   </p:clrMapOvr>
-  <p:timing>
-    <p:tnLst>
-      <p:par>
-        <p:cTn id="1" dur="indefinite" restart="never" nodeType="tmRoot"/>
-      </p:par>
-    </p:tnLst>
-  </p:timing>
 </p:sld>
 </file>
 
@@ -7207,7 +7215,7 @@
       </p:sp>
       <p:pic>
         <p:nvPicPr>
-          <p:cNvPr id="7" name="Content Placeholder 6"/>
+          <p:cNvPr id="9" name="Content Placeholder 8"/>
           <p:cNvPicPr>
             <a:picLocks noGrp="1"/>
           </p:cNvPicPr>
@@ -7217,36 +7225,37 @@
         </p:nvPicPr>
         <p:blipFill rotWithShape="1">
           <a:blip r:embed="rId2"/>
-          <a:srcRect t="5951" b="41913"/>
+          <a:srcRect l="4819" t="7857" r="-122" b="11192"/>
           <a:stretch/>
         </p:blipFill>
-        <p:spPr>
+        <p:spPr bwMode="auto">
           <a:xfrm>
             <a:off x="457200" y="1524000"/>
-            <a:ext cx="7467600" cy="4419600"/>
+            <a:ext cx="7467600" cy="4648200"/>
           </a:xfrm>
           <a:prstGeom prst="rect">
             <a:avLst/>
           </a:prstGeom>
+          <a:ln>
+            <a:noFill/>
+          </a:ln>
+          <a:extLst>
+            <a:ext uri="{53640926-AAD7-44D8-BBD7-CCE9431645EC}">
+              <a14:shadowObscured xmlns:a14="http://schemas.microsoft.com/office/drawing/2010/main"/>
+            </a:ext>
+          </a:extLst>
         </p:spPr>
       </p:pic>
     </p:spTree>
     <p:extLst>
       <p:ext uri="{BB962C8B-B14F-4D97-AF65-F5344CB8AC3E}">
-        <p14:creationId xmlns:p14="http://schemas.microsoft.com/office/powerpoint/2010/main" xmlns="" val="2757637048"/>
+        <p14:creationId xmlns:p14="http://schemas.microsoft.com/office/powerpoint/2010/main" val="2757637048"/>
       </p:ext>
     </p:extLst>
   </p:cSld>
   <p:clrMapOvr>
     <a:masterClrMapping/>
   </p:clrMapOvr>
-  <p:timing>
-    <p:tnLst>
-      <p:par>
-        <p:cTn id="1" dur="indefinite" restart="never" nodeType="tmRoot"/>
-      </p:par>
-    </p:tnLst>
-  </p:timing>
 </p:sld>
 </file>
 
@@ -7269,28 +7278,6 @@
       </p:grpSpPr>
       <p:sp>
         <p:nvSpPr>
-          <p:cNvPr id="3" name="Content Placeholder 2"/>
-          <p:cNvSpPr>
-            <a:spLocks noGrp="1"/>
-          </p:cNvSpPr>
-          <p:nvPr>
-            <p:ph sz="quarter" idx="1"/>
-          </p:nvPr>
-        </p:nvSpPr>
-        <p:spPr/>
-        <p:txBody>
-          <a:bodyPr/>
-          <a:lstStyle/>
-          <a:p>
-            <a:pPr marL="0" indent="0">
-              <a:buNone/>
-            </a:pPr>
-            <a:endParaRPr lang="en-US" dirty="0"/>
-          </a:p>
-        </p:txBody>
-      </p:sp>
-      <p:sp>
-        <p:nvSpPr>
           <p:cNvPr id="4" name="Title 3"/>
           <p:cNvSpPr>
             <a:spLocks noGrp="1"/>
@@ -7339,37 +7326,33 @@
       </p:sp>
       <p:pic>
         <p:nvPicPr>
-          <p:cNvPr id="6" name="Picture 5"/>
-          <p:cNvPicPr/>
-          <p:nvPr/>
+          <p:cNvPr id="7" name="Content Placeholder 6"/>
+          <p:cNvPicPr>
+            <a:picLocks noGrp="1"/>
+          </p:cNvPicPr>
+          <p:nvPr>
+            <p:ph sz="quarter" idx="1"/>
+          </p:nvPr>
         </p:nvPicPr>
         <p:blipFill rotWithShape="1">
           <a:blip r:embed="rId2"/>
-          <a:srcRect t="5989" b="43376"/>
+          <a:srcRect l="3381" t="8132" r="2498" b="10927"/>
           <a:stretch/>
         </p:blipFill>
-        <p:spPr bwMode="auto">
+        <p:spPr>
           <a:xfrm>
             <a:off x="457200" y="1524000"/>
-            <a:ext cx="7467600" cy="4876800"/>
+            <a:ext cx="7467600" cy="4572000"/>
           </a:xfrm>
           <a:prstGeom prst="rect">
             <a:avLst/>
           </a:prstGeom>
-          <a:ln>
-            <a:noFill/>
-          </a:ln>
-          <a:extLst>
-            <a:ext uri="{53640926-AAD7-44D8-BBD7-CCE9431645EC}">
-              <a14:shadowObscured xmlns:a14="http://schemas.microsoft.com/office/drawing/2010/main" xmlns=""/>
-            </a:ext>
-          </a:extLst>
         </p:spPr>
       </p:pic>
     </p:spTree>
     <p:extLst>
       <p:ext uri="{BB962C8B-B14F-4D97-AF65-F5344CB8AC3E}">
-        <p14:creationId xmlns:p14="http://schemas.microsoft.com/office/powerpoint/2010/main" xmlns="" val="1803636223"/>
+        <p14:creationId xmlns:p14="http://schemas.microsoft.com/office/powerpoint/2010/main" val="1803636223"/>
       </p:ext>
     </p:extLst>
   </p:cSld>
@@ -7444,25 +7427,40 @@
           </a:p>
         </p:txBody>
       </p:sp>
+      <p:sp>
+        <p:nvSpPr>
+          <p:cNvPr id="2" name="Content Placeholder 1"/>
+          <p:cNvSpPr>
+            <a:spLocks noGrp="1"/>
+          </p:cNvSpPr>
+          <p:nvPr>
+            <p:ph sz="quarter" idx="1"/>
+          </p:nvPr>
+        </p:nvSpPr>
+        <p:spPr/>
+        <p:txBody>
+          <a:bodyPr/>
+          <a:lstStyle/>
+          <a:p>
+            <a:endParaRPr lang="en-US"/>
+          </a:p>
+        </p:txBody>
+      </p:sp>
       <p:pic>
         <p:nvPicPr>
-          <p:cNvPr id="7" name="Content Placeholder 6"/>
-          <p:cNvPicPr>
-            <a:picLocks noGrp="1"/>
-          </p:cNvPicPr>
-          <p:nvPr>
-            <p:ph sz="quarter" idx="1"/>
-          </p:nvPr>
+          <p:cNvPr id="5" name="Picture 4"/>
+          <p:cNvPicPr/>
+          <p:nvPr/>
         </p:nvPicPr>
         <p:blipFill rotWithShape="1">
           <a:blip r:embed="rId2"/>
-          <a:srcRect t="5530" b="42103"/>
+          <a:srcRect t="8045" b="4921"/>
           <a:stretch/>
         </p:blipFill>
         <p:spPr>
           <a:xfrm>
-            <a:off x="457200" y="1524000"/>
-            <a:ext cx="7467600" cy="4495800"/>
+            <a:off x="457200" y="1600200"/>
+            <a:ext cx="7543800" cy="4876800"/>
           </a:xfrm>
           <a:prstGeom prst="rect">
             <a:avLst/>
@@ -7472,7 +7470,7 @@
     </p:spTree>
     <p:extLst>
       <p:ext uri="{BB962C8B-B14F-4D97-AF65-F5344CB8AC3E}">
-        <p14:creationId xmlns:p14="http://schemas.microsoft.com/office/powerpoint/2010/main" xmlns="" val="3681099498"/>
+        <p14:creationId xmlns:p14="http://schemas.microsoft.com/office/powerpoint/2010/main" val="3681099498"/>
       </p:ext>
     </p:extLst>
   </p:cSld>
@@ -7537,45 +7535,107 @@
             <a:pPr algn="ctr"/>
             <a:r>
               <a:rPr lang="en-US" b="1" u="sng" dirty="0" smtClean="0">
+                <a:solidFill>
+                  <a:schemeClr val="bg1"/>
+                </a:solidFill>
                 <a:latin typeface="Lucida Handwriting" pitchFamily="66" charset="0"/>
               </a:rPr>
               <a:t>Blood Request Panel</a:t>
             </a:r>
             <a:endParaRPr lang="en-US" b="1" u="sng" dirty="0">
+              <a:solidFill>
+                <a:schemeClr val="bg1"/>
+              </a:solidFill>
               <a:latin typeface="Lucida Handwriting" pitchFamily="66" charset="0"/>
             </a:endParaRPr>
           </a:p>
         </p:txBody>
       </p:sp>
+      <p:sp>
+        <p:nvSpPr>
+          <p:cNvPr id="2" name="Content Placeholder 1"/>
+          <p:cNvSpPr>
+            <a:spLocks noGrp="1"/>
+          </p:cNvSpPr>
+          <p:nvPr>
+            <p:ph sz="quarter" idx="1"/>
+          </p:nvPr>
+        </p:nvSpPr>
+        <p:spPr/>
+        <p:txBody>
+          <a:bodyPr/>
+          <a:lstStyle/>
+          <a:p>
+            <a:endParaRPr lang="en-US"/>
+          </a:p>
+        </p:txBody>
+      </p:sp>
       <p:pic>
         <p:nvPicPr>
-          <p:cNvPr id="5" name="Content Placeholder 4"/>
+          <p:cNvPr id="1026" name="Picture 2"/>
           <p:cNvPicPr>
-            <a:picLocks noGrp="1"/>
+            <a:picLocks noChangeAspect="1" noChangeArrowheads="1"/>
           </p:cNvPicPr>
-          <p:nvPr>
-            <p:ph sz="quarter" idx="1"/>
-          </p:nvPr>
+          <p:nvPr/>
         </p:nvPicPr>
         <p:blipFill rotWithShape="1">
-          <a:blip r:embed="rId2"/>
-          <a:srcRect t="5810" b="61426"/>
+          <a:blip r:embed="rId2">
+            <a:extLst>
+              <a:ext uri="{28A0092B-C50C-407E-A947-70E740481C1C}">
+                <a14:useLocalDpi xmlns:a14="http://schemas.microsoft.com/office/drawing/2010/main" val="0"/>
+              </a:ext>
+            </a:extLst>
+          </a:blip>
+          <a:srcRect t="7766" b="4921"/>
           <a:stretch/>
         </p:blipFill>
-        <p:spPr>
+        <p:spPr bwMode="auto">
           <a:xfrm>
-            <a:off x="457200" y="1828800"/>
-            <a:ext cx="7467600" cy="3581400"/>
+            <a:off x="454925" y="1600200"/>
+            <a:ext cx="7454304" cy="4876800"/>
           </a:xfrm>
           <a:prstGeom prst="rect">
             <a:avLst/>
           </a:prstGeom>
+          <a:noFill/>
+          <a:ln>
+            <a:noFill/>
+          </a:ln>
+          <a:effectLst/>
+          <a:extLst>
+            <a:ext uri="{909E8E84-426E-40DD-AFC4-6F175D3DCCD1}">
+              <a14:hiddenFill xmlns:a14="http://schemas.microsoft.com/office/drawing/2010/main">
+                <a:solidFill>
+                  <a:schemeClr val="accent1"/>
+                </a:solidFill>
+              </a14:hiddenFill>
+            </a:ext>
+            <a:ext uri="{91240B29-F687-4F45-9708-019B960494DF}">
+              <a14:hiddenLine xmlns:a14="http://schemas.microsoft.com/office/drawing/2010/main" w="9525">
+                <a:solidFill>
+                  <a:schemeClr val="tx1"/>
+                </a:solidFill>
+                <a:miter lim="800000"/>
+                <a:headEnd/>
+                <a:tailEnd/>
+              </a14:hiddenLine>
+            </a:ext>
+            <a:ext uri="{AF507438-7753-43E0-B8FC-AC1667EBCBE1}">
+              <a14:hiddenEffects xmlns:a14="http://schemas.microsoft.com/office/drawing/2010/main">
+                <a:effectLst>
+                  <a:outerShdw dist="35921" dir="2700000" algn="ctr" rotWithShape="0">
+                    <a:schemeClr val="bg2"/>
+                  </a:outerShdw>
+                </a:effectLst>
+              </a14:hiddenEffects>
+            </a:ext>
+          </a:extLst>
         </p:spPr>
       </p:pic>
     </p:spTree>
     <p:extLst>
       <p:ext uri="{BB962C8B-B14F-4D97-AF65-F5344CB8AC3E}">
-        <p14:creationId xmlns:p14="http://schemas.microsoft.com/office/powerpoint/2010/main" xmlns="" val="191638365"/>
+        <p14:creationId xmlns:p14="http://schemas.microsoft.com/office/powerpoint/2010/main" val="191638365"/>
       </p:ext>
     </p:extLst>
   </p:cSld>
@@ -7640,45 +7700,107 @@
             <a:pPr algn="ctr"/>
             <a:r>
               <a:rPr lang="en-US" b="1" u="sng" dirty="0" smtClean="0">
+                <a:solidFill>
+                  <a:schemeClr val="bg1"/>
+                </a:solidFill>
                 <a:latin typeface="Lucida Handwriting" pitchFamily="66" charset="0"/>
               </a:rPr>
               <a:t>Donor List Panel</a:t>
             </a:r>
             <a:endParaRPr lang="en-US" b="1" u="sng" dirty="0">
+              <a:solidFill>
+                <a:schemeClr val="bg1"/>
+              </a:solidFill>
               <a:latin typeface="Lucida Handwriting" pitchFamily="66" charset="0"/>
             </a:endParaRPr>
           </a:p>
         </p:txBody>
       </p:sp>
+      <p:sp>
+        <p:nvSpPr>
+          <p:cNvPr id="2" name="Content Placeholder 1"/>
+          <p:cNvSpPr>
+            <a:spLocks noGrp="1"/>
+          </p:cNvSpPr>
+          <p:nvPr>
+            <p:ph sz="quarter" idx="1"/>
+          </p:nvPr>
+        </p:nvSpPr>
+        <p:spPr/>
+        <p:txBody>
+          <a:bodyPr/>
+          <a:lstStyle/>
+          <a:p>
+            <a:endParaRPr lang="en-US" dirty="0"/>
+          </a:p>
+        </p:txBody>
+      </p:sp>
       <p:pic>
         <p:nvPicPr>
-          <p:cNvPr id="6" name="Content Placeholder 5"/>
+          <p:cNvPr id="2050" name="Picture 2"/>
           <p:cNvPicPr>
-            <a:picLocks noGrp="1"/>
+            <a:picLocks noChangeAspect="1" noChangeArrowheads="1"/>
           </p:cNvPicPr>
-          <p:nvPr>
-            <p:ph sz="quarter" idx="1"/>
-          </p:nvPr>
+          <p:nvPr/>
         </p:nvPicPr>
         <p:blipFill rotWithShape="1">
-          <a:blip r:embed="rId2"/>
-          <a:srcRect t="5811" b="60865"/>
+          <a:blip r:embed="rId2">
+            <a:extLst>
+              <a:ext uri="{28A0092B-C50C-407E-A947-70E740481C1C}">
+                <a14:useLocalDpi xmlns:a14="http://schemas.microsoft.com/office/drawing/2010/main" val="0"/>
+              </a:ext>
+            </a:extLst>
+          </a:blip>
+          <a:srcRect t="8218" b="5113"/>
           <a:stretch/>
         </p:blipFill>
-        <p:spPr>
+        <p:spPr bwMode="auto">
           <a:xfrm>
-            <a:off x="457200" y="1981200"/>
-            <a:ext cx="7467600" cy="3429000"/>
+            <a:off x="449239" y="1600200"/>
+            <a:ext cx="7467244" cy="4876800"/>
           </a:xfrm>
           <a:prstGeom prst="rect">
             <a:avLst/>
           </a:prstGeom>
+          <a:noFill/>
+          <a:ln>
+            <a:noFill/>
+          </a:ln>
+          <a:effectLst/>
+          <a:extLst>
+            <a:ext uri="{909E8E84-426E-40DD-AFC4-6F175D3DCCD1}">
+              <a14:hiddenFill xmlns:a14="http://schemas.microsoft.com/office/drawing/2010/main">
+                <a:solidFill>
+                  <a:schemeClr val="accent1"/>
+                </a:solidFill>
+              </a14:hiddenFill>
+            </a:ext>
+            <a:ext uri="{91240B29-F687-4F45-9708-019B960494DF}">
+              <a14:hiddenLine xmlns:a14="http://schemas.microsoft.com/office/drawing/2010/main" w="9525">
+                <a:solidFill>
+                  <a:schemeClr val="tx1"/>
+                </a:solidFill>
+                <a:miter lim="800000"/>
+                <a:headEnd/>
+                <a:tailEnd/>
+              </a14:hiddenLine>
+            </a:ext>
+            <a:ext uri="{AF507438-7753-43E0-B8FC-AC1667EBCBE1}">
+              <a14:hiddenEffects xmlns:a14="http://schemas.microsoft.com/office/drawing/2010/main">
+                <a:effectLst>
+                  <a:outerShdw dist="35921" dir="2700000" algn="ctr" rotWithShape="0">
+                    <a:schemeClr val="bg2"/>
+                  </a:outerShdw>
+                </a:effectLst>
+              </a14:hiddenEffects>
+            </a:ext>
+          </a:extLst>
         </p:spPr>
       </p:pic>
     </p:spTree>
     <p:extLst>
       <p:ext uri="{BB962C8B-B14F-4D97-AF65-F5344CB8AC3E}">
-        <p14:creationId xmlns:p14="http://schemas.microsoft.com/office/powerpoint/2010/main" xmlns="" val="2490756799"/>
+        <p14:creationId xmlns:p14="http://schemas.microsoft.com/office/powerpoint/2010/main" val="2490756799"/>
       </p:ext>
     </p:extLst>
   </p:cSld>
@@ -7850,7 +7972,7 @@
           <p:nvPr>
             <p:extLst>
               <p:ext uri="{D42A27DB-BD31-4B8C-83A1-F6EECF244321}">
-                <p14:modId xmlns:p14="http://schemas.microsoft.com/office/powerpoint/2010/main" xmlns="" val="1670525917"/>
+                <p14:modId xmlns:p14="http://schemas.microsoft.com/office/powerpoint/2010/main" val="1670525917"/>
               </p:ext>
             </p:extLst>
           </p:nvPr>
@@ -8436,18 +8558,18 @@
     </p:spTree>
     <p:extLst>
       <p:ext uri="{BB962C8B-B14F-4D97-AF65-F5344CB8AC3E}">
-        <p14:creationId xmlns:p14="http://schemas.microsoft.com/office/powerpoint/2010/main" xmlns="" val="834525699"/>
+        <p14:creationId xmlns:p14="http://schemas.microsoft.com/office/powerpoint/2010/main" val="834525699"/>
       </p:ext>
     </p:extLst>
   </p:cSld>
   <p:clrMapOvr>
     <a:masterClrMapping/>
   </p:clrMapOvr>
-  <mc:AlternateContent xmlns:mc="http://schemas.openxmlformats.org/markup-compatibility/2006">
-    <mc:Choice xmlns:p14="http://schemas.microsoft.com/office/powerpoint/2010/main" xmlns="" Requires="p14">
+  <mc:AlternateContent xmlns:mc="http://schemas.openxmlformats.org/markup-compatibility/2006" xmlns:p14="http://schemas.microsoft.com/office/powerpoint/2010/main">
+    <mc:Choice Requires="p14">
       <p:transition p14:dur="10"/>
     </mc:Choice>
-    <mc:Fallback>
+    <mc:Fallback xmlns="">
       <p:transition/>
     </mc:Fallback>
   </mc:AlternateContent>
@@ -8526,25 +8648,40 @@
           </a:p>
         </p:txBody>
       </p:sp>
+      <p:sp>
+        <p:nvSpPr>
+          <p:cNvPr id="2" name="Content Placeholder 1"/>
+          <p:cNvSpPr>
+            <a:spLocks noGrp="1"/>
+          </p:cNvSpPr>
+          <p:nvPr>
+            <p:ph sz="quarter" idx="1"/>
+          </p:nvPr>
+        </p:nvSpPr>
+        <p:spPr/>
+        <p:txBody>
+          <a:bodyPr/>
+          <a:lstStyle/>
+          <a:p>
+            <a:endParaRPr lang="en-US" dirty="0"/>
+          </a:p>
+        </p:txBody>
+      </p:sp>
       <p:pic>
         <p:nvPicPr>
-          <p:cNvPr id="5" name="Content Placeholder 4"/>
-          <p:cNvPicPr>
-            <a:picLocks noGrp="1"/>
-          </p:cNvPicPr>
-          <p:nvPr>
-            <p:ph sz="quarter" idx="1"/>
-          </p:nvPr>
+          <p:cNvPr id="6" name="Picture 5"/>
+          <p:cNvPicPr/>
+          <p:nvPr/>
         </p:nvPicPr>
         <p:blipFill rotWithShape="1">
           <a:blip r:embed="rId2"/>
-          <a:srcRect t="5530" b="26141"/>
+          <a:srcRect t="7387" r="1952" b="5614"/>
           <a:stretch/>
         </p:blipFill>
         <p:spPr>
           <a:xfrm>
-            <a:off x="457200" y="1524000"/>
-            <a:ext cx="7467600" cy="4572000"/>
+            <a:off x="457200" y="1600200"/>
+            <a:ext cx="7467600" cy="4876800"/>
           </a:xfrm>
           <a:prstGeom prst="rect">
             <a:avLst/>
@@ -8554,7 +8691,7 @@
     </p:spTree>
     <p:extLst>
       <p:ext uri="{BB962C8B-B14F-4D97-AF65-F5344CB8AC3E}">
-        <p14:creationId xmlns:p14="http://schemas.microsoft.com/office/powerpoint/2010/main" xmlns="" val="4122510520"/>
+        <p14:creationId xmlns:p14="http://schemas.microsoft.com/office/powerpoint/2010/main" val="4122510520"/>
       </p:ext>
     </p:extLst>
   </p:cSld>
@@ -8629,25 +8766,40 @@
           </a:p>
         </p:txBody>
       </p:sp>
+      <p:sp>
+        <p:nvSpPr>
+          <p:cNvPr id="2" name="Content Placeholder 1"/>
+          <p:cNvSpPr>
+            <a:spLocks noGrp="1"/>
+          </p:cNvSpPr>
+          <p:nvPr>
+            <p:ph sz="quarter" idx="1"/>
+          </p:nvPr>
+        </p:nvSpPr>
+        <p:spPr/>
+        <p:txBody>
+          <a:bodyPr/>
+          <a:lstStyle/>
+          <a:p>
+            <a:endParaRPr lang="en-US" dirty="0"/>
+          </a:p>
+        </p:txBody>
+      </p:sp>
       <p:pic>
         <p:nvPicPr>
-          <p:cNvPr id="6" name="Content Placeholder 5"/>
-          <p:cNvPicPr>
-            <a:picLocks noGrp="1"/>
-          </p:cNvPicPr>
-          <p:nvPr>
-            <p:ph sz="quarter" idx="1"/>
-          </p:nvPr>
+          <p:cNvPr id="5" name="Picture 4"/>
+          <p:cNvPicPr/>
+          <p:nvPr/>
         </p:nvPicPr>
         <p:blipFill rotWithShape="1">
           <a:blip r:embed="rId2"/>
-          <a:srcRect t="5811" b="25301"/>
+          <a:srcRect t="8067" r="1837" b="4935"/>
           <a:stretch/>
         </p:blipFill>
         <p:spPr>
           <a:xfrm>
-            <a:off x="457200" y="1524000"/>
-            <a:ext cx="7467600" cy="4495800"/>
+            <a:off x="457200" y="1600200"/>
+            <a:ext cx="7467600" cy="4876800"/>
           </a:xfrm>
           <a:prstGeom prst="rect">
             <a:avLst/>
@@ -8657,7 +8809,7 @@
     </p:spTree>
     <p:extLst>
       <p:ext uri="{BB962C8B-B14F-4D97-AF65-F5344CB8AC3E}">
-        <p14:creationId xmlns:p14="http://schemas.microsoft.com/office/powerpoint/2010/main" xmlns="" val="3495105209"/>
+        <p14:creationId xmlns:p14="http://schemas.microsoft.com/office/powerpoint/2010/main" val="3495105209"/>
       </p:ext>
     </p:extLst>
   </p:cSld>
@@ -8686,31 +8838,6 @@
       </p:grpSpPr>
       <p:sp>
         <p:nvSpPr>
-          <p:cNvPr id="3" name="Content Placeholder 2"/>
-          <p:cNvSpPr>
-            <a:spLocks noGrp="1"/>
-          </p:cNvSpPr>
-          <p:nvPr>
-            <p:ph sz="quarter" idx="1"/>
-          </p:nvPr>
-        </p:nvSpPr>
-        <p:spPr/>
-        <p:txBody>
-          <a:bodyPr/>
-          <a:lstStyle/>
-          <a:p>
-            <a:r>
-              <a:rPr lang="en-US" dirty="0"/>
-              <a:t>Have to add a Screen Shot ------------------------- --------------------------------------------------</a:t>
-            </a:r>
-          </a:p>
-          <a:p>
-            <a:endParaRPr lang="en-US" dirty="0"/>
-          </a:p>
-        </p:txBody>
-      </p:sp>
-      <p:sp>
-        <p:nvSpPr>
           <p:cNvPr id="4" name="Title 3"/>
           <p:cNvSpPr>
             <a:spLocks noGrp="1"/>
@@ -8757,10 +8884,35 @@
           </a:p>
         </p:txBody>
       </p:sp>
+      <p:pic>
+        <p:nvPicPr>
+          <p:cNvPr id="6" name="Content Placeholder 5"/>
+          <p:cNvPicPr>
+            <a:picLocks noGrp="1"/>
+          </p:cNvPicPr>
+          <p:nvPr>
+            <p:ph sz="quarter" idx="1"/>
+          </p:nvPr>
+        </p:nvPicPr>
+        <p:blipFill rotWithShape="1">
+          <a:blip r:embed="rId2"/>
+          <a:srcRect t="7910" b="5948"/>
+          <a:stretch/>
+        </p:blipFill>
+        <p:spPr>
+          <a:xfrm>
+            <a:off x="457200" y="1856096"/>
+            <a:ext cx="7467600" cy="4468504"/>
+          </a:xfrm>
+          <a:prstGeom prst="rect">
+            <a:avLst/>
+          </a:prstGeom>
+        </p:spPr>
+      </p:pic>
     </p:spTree>
     <p:extLst>
       <p:ext uri="{BB962C8B-B14F-4D97-AF65-F5344CB8AC3E}">
-        <p14:creationId xmlns:p14="http://schemas.microsoft.com/office/powerpoint/2010/main" xmlns="" val="3563556398"/>
+        <p14:creationId xmlns:p14="http://schemas.microsoft.com/office/powerpoint/2010/main" val="3563556398"/>
       </p:ext>
     </p:extLst>
   </p:cSld>
@@ -8862,19 +9014,19 @@
       </p:sp>
       <p:pic>
         <p:nvPicPr>
-          <p:cNvPr id="5" name="Picture 4"/>
+          <p:cNvPr id="6" name="Picture 5"/>
           <p:cNvPicPr/>
           <p:nvPr/>
         </p:nvPicPr>
         <p:blipFill rotWithShape="1">
           <a:blip r:embed="rId2"/>
-          <a:srcRect t="5836" b="39055"/>
+          <a:srcRect t="7419" b="5581"/>
           <a:stretch/>
         </p:blipFill>
         <p:spPr>
           <a:xfrm>
-            <a:off x="457200" y="1524000"/>
-            <a:ext cx="7467600" cy="4218296"/>
+            <a:off x="457200" y="1676400"/>
+            <a:ext cx="7467600" cy="4648200"/>
           </a:xfrm>
           <a:prstGeom prst="rect">
             <a:avLst/>
@@ -8884,7 +9036,7 @@
     </p:spTree>
     <p:extLst>
       <p:ext uri="{BB962C8B-B14F-4D97-AF65-F5344CB8AC3E}">
-        <p14:creationId xmlns:p14="http://schemas.microsoft.com/office/powerpoint/2010/main" xmlns="" val="2975510240"/>
+        <p14:creationId xmlns:p14="http://schemas.microsoft.com/office/powerpoint/2010/main" val="2975510240"/>
       </p:ext>
     </p:extLst>
   </p:cSld>
@@ -8959,25 +9111,40 @@
           </a:p>
         </p:txBody>
       </p:sp>
+      <p:sp>
+        <p:nvSpPr>
+          <p:cNvPr id="2" name="Content Placeholder 1"/>
+          <p:cNvSpPr>
+            <a:spLocks noGrp="1"/>
+          </p:cNvSpPr>
+          <p:nvPr>
+            <p:ph sz="quarter" idx="1"/>
+          </p:nvPr>
+        </p:nvSpPr>
+        <p:spPr/>
+        <p:txBody>
+          <a:bodyPr/>
+          <a:lstStyle/>
+          <a:p>
+            <a:endParaRPr lang="en-US" dirty="0"/>
+          </a:p>
+        </p:txBody>
+      </p:sp>
       <p:pic>
         <p:nvPicPr>
-          <p:cNvPr id="5" name="Content Placeholder 4"/>
-          <p:cNvPicPr>
-            <a:picLocks noGrp="1"/>
-          </p:cNvPicPr>
-          <p:nvPr>
-            <p:ph sz="quarter" idx="1"/>
-          </p:nvPr>
+          <p:cNvPr id="6" name="Picture 5"/>
+          <p:cNvPicPr/>
+          <p:nvPr/>
         </p:nvPicPr>
         <p:blipFill rotWithShape="1">
           <a:blip r:embed="rId2"/>
-          <a:srcRect t="5812" b="37622"/>
+          <a:srcRect t="7659" b="5343"/>
           <a:stretch/>
         </p:blipFill>
         <p:spPr>
           <a:xfrm>
             <a:off x="457200" y="1600200"/>
-            <a:ext cx="7467600" cy="4114800"/>
+            <a:ext cx="7467600" cy="4876800"/>
           </a:xfrm>
           <a:prstGeom prst="rect">
             <a:avLst/>
@@ -8987,7 +9154,7 @@
     </p:spTree>
     <p:extLst>
       <p:ext uri="{BB962C8B-B14F-4D97-AF65-F5344CB8AC3E}">
-        <p14:creationId xmlns:p14="http://schemas.microsoft.com/office/powerpoint/2010/main" xmlns="" val="3040167367"/>
+        <p14:creationId xmlns:p14="http://schemas.microsoft.com/office/powerpoint/2010/main" val="3040167367"/>
       </p:ext>
     </p:extLst>
   </p:cSld>
@@ -9062,25 +9229,40 @@
           </a:p>
         </p:txBody>
       </p:sp>
+      <p:sp>
+        <p:nvSpPr>
+          <p:cNvPr id="2" name="Content Placeholder 1"/>
+          <p:cNvSpPr>
+            <a:spLocks noGrp="1"/>
+          </p:cNvSpPr>
+          <p:nvPr>
+            <p:ph sz="quarter" idx="1"/>
+          </p:nvPr>
+        </p:nvSpPr>
+        <p:spPr/>
+        <p:txBody>
+          <a:bodyPr/>
+          <a:lstStyle/>
+          <a:p>
+            <a:endParaRPr lang="en-US"/>
+          </a:p>
+        </p:txBody>
+      </p:sp>
       <p:pic>
         <p:nvPicPr>
-          <p:cNvPr id="6" name="Content Placeholder 5"/>
-          <p:cNvPicPr>
-            <a:picLocks noGrp="1"/>
-          </p:cNvPicPr>
-          <p:nvPr>
-            <p:ph sz="quarter" idx="1"/>
-          </p:nvPr>
+          <p:cNvPr id="5" name="Picture 4"/>
+          <p:cNvPicPr/>
+          <p:nvPr/>
         </p:nvPicPr>
         <p:blipFill rotWithShape="1">
           <a:blip r:embed="rId2"/>
-          <a:srcRect l="542" t="5811" r="439" b="31462"/>
+          <a:srcRect t="7766" b="5481"/>
           <a:stretch/>
         </p:blipFill>
         <p:spPr>
           <a:xfrm>
-            <a:off x="457200" y="1524000"/>
-            <a:ext cx="7467600" cy="4571999"/>
+            <a:off x="457200" y="1600200"/>
+            <a:ext cx="7467600" cy="4876800"/>
           </a:xfrm>
           <a:prstGeom prst="rect">
             <a:avLst/>
@@ -9090,7 +9272,7 @@
     </p:spTree>
     <p:extLst>
       <p:ext uri="{BB962C8B-B14F-4D97-AF65-F5344CB8AC3E}">
-        <p14:creationId xmlns:p14="http://schemas.microsoft.com/office/powerpoint/2010/main" xmlns="" val="1111250144"/>
+        <p14:creationId xmlns:p14="http://schemas.microsoft.com/office/powerpoint/2010/main" val="1111250144"/>
       </p:ext>
     </p:extLst>
   </p:cSld>
@@ -9155,11 +9337,17 @@
             <a:pPr algn="ctr"/>
             <a:r>
               <a:rPr lang="en-US" b="1" u="sng" dirty="0" smtClean="0">
+                <a:solidFill>
+                  <a:schemeClr val="bg1"/>
+                </a:solidFill>
                 <a:latin typeface="Lucida Handwriting" pitchFamily="66" charset="0"/>
               </a:rPr>
               <a:t>Send a message to Member</a:t>
             </a:r>
             <a:endParaRPr lang="en-US" b="1" u="sng" dirty="0">
+              <a:solidFill>
+                <a:schemeClr val="bg1"/>
+              </a:solidFill>
               <a:latin typeface="Lucida Handwriting" pitchFamily="66" charset="0"/>
             </a:endParaRPr>
           </a:p>
@@ -9193,7 +9381,7 @@
     </p:spTree>
     <p:extLst>
       <p:ext uri="{BB962C8B-B14F-4D97-AF65-F5344CB8AC3E}">
-        <p14:creationId xmlns:p14="http://schemas.microsoft.com/office/powerpoint/2010/main" xmlns="" val="4218400334"/>
+        <p14:creationId xmlns:p14="http://schemas.microsoft.com/office/powerpoint/2010/main" val="4218400334"/>
       </p:ext>
     </p:extLst>
   </p:cSld>
@@ -9258,11 +9446,17 @@
             <a:pPr algn="ctr"/>
             <a:r>
               <a:rPr lang="en-US" b="1" u="sng" dirty="0" smtClean="0">
+                <a:solidFill>
+                  <a:schemeClr val="bg1"/>
+                </a:solidFill>
                 <a:latin typeface="Lucida Handwriting" pitchFamily="66" charset="0"/>
               </a:rPr>
               <a:t>Check given message from Admin</a:t>
             </a:r>
             <a:endParaRPr lang="en-US" b="1" u="sng" dirty="0">
+              <a:solidFill>
+                <a:schemeClr val="bg1"/>
+              </a:solidFill>
               <a:latin typeface="Lucida Handwriting" pitchFamily="66" charset="0"/>
             </a:endParaRPr>
           </a:p>
@@ -9296,7 +9490,7 @@
     </p:spTree>
     <p:extLst>
       <p:ext uri="{BB962C8B-B14F-4D97-AF65-F5344CB8AC3E}">
-        <p14:creationId xmlns:p14="http://schemas.microsoft.com/office/powerpoint/2010/main" xmlns="" val="3619413731"/>
+        <p14:creationId xmlns:p14="http://schemas.microsoft.com/office/powerpoint/2010/main" val="3619413731"/>
       </p:ext>
     </p:extLst>
   </p:cSld>
@@ -9452,7 +9646,7 @@
     </p:spTree>
     <p:extLst>
       <p:ext uri="{BB962C8B-B14F-4D97-AF65-F5344CB8AC3E}">
-        <p14:creationId xmlns:p14="http://schemas.microsoft.com/office/powerpoint/2010/main" xmlns="" val="2013374115"/>
+        <p14:creationId xmlns:p14="http://schemas.microsoft.com/office/powerpoint/2010/main" val="2013374115"/>
       </p:ext>
     </p:extLst>
   </p:cSld>
@@ -9597,7 +9791,7 @@
     </p:spTree>
     <p:extLst>
       <p:ext uri="{BB962C8B-B14F-4D97-AF65-F5344CB8AC3E}">
-        <p14:creationId xmlns:p14="http://schemas.microsoft.com/office/powerpoint/2010/main" xmlns="" val="2013374115"/>
+        <p14:creationId xmlns:p14="http://schemas.microsoft.com/office/powerpoint/2010/main" val="2013374115"/>
       </p:ext>
     </p:extLst>
   </p:cSld>
@@ -9634,37 +9828,50 @@
             <p:ph sz="quarter" idx="1"/>
           </p:nvPr>
         </p:nvSpPr>
-        <p:spPr>
-          <a:xfrm>
-            <a:off x="457200" y="3962400"/>
-            <a:ext cx="7467600" cy="2511552"/>
-          </a:xfrm>
-        </p:spPr>
+        <p:spPr/>
         <p:txBody>
           <a:bodyPr/>
           <a:lstStyle/>
           <a:p>
-            <a:pPr algn="just"/>
+            <a:pPr marL="0" indent="0" algn="just">
+              <a:buNone/>
+            </a:pPr>
             <a:r>
               <a:rPr lang="en-US" dirty="0" smtClean="0"/>
-              <a:t>Encourage people to donate blood</a:t>
-            </a:r>
-          </a:p>
-          <a:p>
-            <a:pPr algn="just"/>
+              <a:t>Everyday</a:t>
+            </a:r>
+            <a:r>
+              <a:rPr lang="en-US" dirty="0"/>
+              <a:t>, hundreds of children and adults require blood to save their life. People like you donate blood to save these precious </a:t>
+            </a:r>
             <a:r>
               <a:rPr lang="en-US" dirty="0" smtClean="0"/>
-              <a:t>Provide facilities to get info about blood donor</a:t>
-            </a:r>
-          </a:p>
-          <a:p>
-            <a:pPr algn="just"/>
+              <a:t>lives. In this importance, Online </a:t>
+            </a:r>
+            <a:r>
+              <a:rPr lang="en-US" dirty="0"/>
+              <a:t>Social Networking for Blood (OSNB</a:t>
+            </a:r>
             <a:r>
               <a:rPr lang="en-US" dirty="0" smtClean="0"/>
-              <a:t>Make easy to blood seeker to find their required blood donor within a short time.</a:t>
-            </a:r>
-          </a:p>
-          <a:p>
+              <a:t>) </a:t>
+            </a:r>
+            <a:r>
+              <a:rPr lang="en-US" dirty="0"/>
+              <a:t>is a </a:t>
+            </a:r>
+            <a:r>
+              <a:rPr lang="en-US" dirty="0" smtClean="0"/>
+              <a:t>web &amp; browser based </a:t>
+            </a:r>
+            <a:r>
+              <a:rPr lang="en-US" dirty="0"/>
+              <a:t>database application system that is that is designed to store, process, retrieve and analyze information concerned with the administrative and inventory management within </a:t>
+            </a:r>
+            <a:r>
+              <a:rPr lang="en-US" dirty="0" smtClean="0"/>
+              <a:t>a blood management system.</a:t>
+            </a:r>
             <a:endParaRPr lang="en-US" dirty="0"/>
           </a:p>
         </p:txBody>
@@ -9709,7 +9916,7 @@
               <a:rPr lang="en-US" b="1" u="sng" dirty="0" smtClean="0">
                 <a:latin typeface="Lucida Handwriting" pitchFamily="66" charset="0"/>
               </a:rPr>
-              <a:t>Our Aims/Objectives</a:t>
+              <a:t>Introduction</a:t>
             </a:r>
             <a:endParaRPr lang="en-US" b="1" u="sng" dirty="0">
               <a:latin typeface="Lucida Handwriting" pitchFamily="66" charset="0"/>
@@ -9717,51 +9924,10 @@
           </a:p>
         </p:txBody>
       </p:sp>
-      <p:pic>
-        <p:nvPicPr>
-          <p:cNvPr id="1026" name="Picture 2" descr="C:\Users\User\Desktop\Our Project\news_blood_donation.jpg"/>
-          <p:cNvPicPr>
-            <a:picLocks noChangeAspect="1" noChangeArrowheads="1"/>
-          </p:cNvPicPr>
-          <p:nvPr/>
-        </p:nvPicPr>
-        <p:blipFill>
-          <a:blip r:embed="rId2">
-            <a:extLst>
-              <a:ext uri="{28A0092B-C50C-407E-A947-70E740481C1C}">
-                <a14:useLocalDpi xmlns:a14="http://schemas.microsoft.com/office/drawing/2010/main" xmlns="" val="0"/>
-              </a:ext>
-            </a:extLst>
-          </a:blip>
-          <a:srcRect/>
-          <a:stretch>
-            <a:fillRect/>
-          </a:stretch>
-        </p:blipFill>
-        <p:spPr bwMode="auto">
-          <a:xfrm>
-            <a:off x="457200" y="1447801"/>
-            <a:ext cx="7467600" cy="2438400"/>
-          </a:xfrm>
-          <a:prstGeom prst="rect">
-            <a:avLst/>
-          </a:prstGeom>
-          <a:noFill/>
-          <a:extLst>
-            <a:ext uri="{909E8E84-426E-40DD-AFC4-6F175D3DCCD1}">
-              <a14:hiddenFill xmlns:a14="http://schemas.microsoft.com/office/drawing/2010/main" xmlns="">
-                <a:solidFill>
-                  <a:srgbClr val="FFFFFF"/>
-                </a:solidFill>
-              </a14:hiddenFill>
-            </a:ext>
-          </a:extLst>
-        </p:spPr>
-      </p:pic>
     </p:spTree>
     <p:extLst>
       <p:ext uri="{BB962C8B-B14F-4D97-AF65-F5344CB8AC3E}">
-        <p14:creationId xmlns:p14="http://schemas.microsoft.com/office/powerpoint/2010/main" xmlns="" val="1445333835"/>
+        <p14:creationId xmlns:p14="http://schemas.microsoft.com/office/powerpoint/2010/main" val="4072859569"/>
       </p:ext>
     </p:extLst>
   </p:cSld>
@@ -9871,7 +10037,7 @@
     </p:spTree>
     <p:extLst>
       <p:ext uri="{BB962C8B-B14F-4D97-AF65-F5344CB8AC3E}">
-        <p14:creationId xmlns:p14="http://schemas.microsoft.com/office/powerpoint/2010/main" xmlns="" val="2013374115"/>
+        <p14:creationId xmlns:p14="http://schemas.microsoft.com/office/powerpoint/2010/main" val="2013374115"/>
       </p:ext>
     </p:extLst>
   </p:cSld>
@@ -9975,7 +10141,7 @@
     </p:spTree>
     <p:extLst>
       <p:ext uri="{BB962C8B-B14F-4D97-AF65-F5344CB8AC3E}">
-        <p14:creationId xmlns:p14="http://schemas.microsoft.com/office/powerpoint/2010/main" xmlns="" val="2698639466"/>
+        <p14:creationId xmlns:p14="http://schemas.microsoft.com/office/powerpoint/2010/main" val="2698639466"/>
       </p:ext>
     </p:extLst>
   </p:cSld>
@@ -10012,50 +10178,37 @@
             <p:ph sz="quarter" idx="1"/>
           </p:nvPr>
         </p:nvSpPr>
-        <p:spPr/>
+        <p:spPr>
+          <a:xfrm>
+            <a:off x="457200" y="3962400"/>
+            <a:ext cx="7467600" cy="2511552"/>
+          </a:xfrm>
+        </p:spPr>
         <p:txBody>
           <a:bodyPr/>
           <a:lstStyle/>
           <a:p>
-            <a:pPr marL="0" indent="0" algn="just">
-              <a:buNone/>
-            </a:pPr>
+            <a:pPr algn="just"/>
             <a:r>
               <a:rPr lang="en-US" dirty="0" smtClean="0"/>
-              <a:t>Everyday</a:t>
-            </a:r>
-            <a:r>
-              <a:rPr lang="en-US" dirty="0"/>
-              <a:t>, hundreds of children and adults require blood to save their life. People like you donate blood to save these precious </a:t>
-            </a:r>
+              <a:t>Encourage people to donate blood</a:t>
+            </a:r>
+          </a:p>
+          <a:p>
+            <a:pPr algn="just"/>
             <a:r>
               <a:rPr lang="en-US" dirty="0" smtClean="0"/>
-              <a:t>lives. In this importance, Online </a:t>
-            </a:r>
-            <a:r>
-              <a:rPr lang="en-US" dirty="0"/>
-              <a:t>Social Networking for Blood (OSNB</a:t>
-            </a:r>
+              <a:t>Provide facilities to get info about blood donor</a:t>
+            </a:r>
+          </a:p>
+          <a:p>
+            <a:pPr algn="just"/>
             <a:r>
               <a:rPr lang="en-US" dirty="0" smtClean="0"/>
-              <a:t>) </a:t>
-            </a:r>
-            <a:r>
-              <a:rPr lang="en-US" dirty="0"/>
-              <a:t>is a </a:t>
-            </a:r>
-            <a:r>
-              <a:rPr lang="en-US" dirty="0" smtClean="0"/>
-              <a:t>web &amp; browser based </a:t>
-            </a:r>
-            <a:r>
-              <a:rPr lang="en-US" dirty="0"/>
-              <a:t>database application system that is that is designed to store, process, retrieve and analyze information concerned with the administrative and inventory management within </a:t>
-            </a:r>
-            <a:r>
-              <a:rPr lang="en-US" dirty="0" smtClean="0"/>
-              <a:t>a blood management system.</a:t>
-            </a:r>
+              <a:t>Make easy to blood seeker to find their required blood donor within a short time.</a:t>
+            </a:r>
+          </a:p>
+          <a:p>
             <a:endParaRPr lang="en-US" dirty="0"/>
           </a:p>
         </p:txBody>
@@ -10100,7 +10253,7 @@
               <a:rPr lang="en-US" b="1" u="sng" dirty="0" smtClean="0">
                 <a:latin typeface="Lucida Handwriting" pitchFamily="66" charset="0"/>
               </a:rPr>
-              <a:t>Introduction</a:t>
+              <a:t>Our Aims/Objectives</a:t>
             </a:r>
             <a:endParaRPr lang="en-US" b="1" u="sng" dirty="0">
               <a:latin typeface="Lucida Handwriting" pitchFamily="66" charset="0"/>
@@ -10108,10 +10261,51 @@
           </a:p>
         </p:txBody>
       </p:sp>
+      <p:pic>
+        <p:nvPicPr>
+          <p:cNvPr id="1026" name="Picture 2" descr="C:\Users\User\Desktop\Our Project\news_blood_donation.jpg"/>
+          <p:cNvPicPr>
+            <a:picLocks noChangeAspect="1" noChangeArrowheads="1"/>
+          </p:cNvPicPr>
+          <p:nvPr/>
+        </p:nvPicPr>
+        <p:blipFill>
+          <a:blip r:embed="rId2">
+            <a:extLst>
+              <a:ext uri="{28A0092B-C50C-407E-A947-70E740481C1C}">
+                <a14:useLocalDpi xmlns:a14="http://schemas.microsoft.com/office/drawing/2010/main" val="0"/>
+              </a:ext>
+            </a:extLst>
+          </a:blip>
+          <a:srcRect/>
+          <a:stretch>
+            <a:fillRect/>
+          </a:stretch>
+        </p:blipFill>
+        <p:spPr bwMode="auto">
+          <a:xfrm>
+            <a:off x="457200" y="1447801"/>
+            <a:ext cx="7467600" cy="2438400"/>
+          </a:xfrm>
+          <a:prstGeom prst="rect">
+            <a:avLst/>
+          </a:prstGeom>
+          <a:noFill/>
+          <a:extLst>
+            <a:ext uri="{909E8E84-426E-40DD-AFC4-6F175D3DCCD1}">
+              <a14:hiddenFill xmlns:a14="http://schemas.microsoft.com/office/drawing/2010/main">
+                <a:solidFill>
+                  <a:srgbClr val="FFFFFF"/>
+                </a:solidFill>
+              </a14:hiddenFill>
+            </a:ext>
+          </a:extLst>
+        </p:spPr>
+      </p:pic>
     </p:spTree>
     <p:extLst>
       <p:ext uri="{BB962C8B-B14F-4D97-AF65-F5344CB8AC3E}">
-        <p14:creationId xmlns:p14="http://schemas.microsoft.com/office/powerpoint/2010/main" xmlns="" val="4072859569"/>
+        <p14:creationId xmlns:p14="http://schemas.microsoft.com/office/powerpoint/2010/main" val="1445333835"/>
       </p:ext>
     </p:extLst>
   </p:cSld>
@@ -10232,7 +10426,7 @@
     </p:spTree>
     <p:extLst>
       <p:ext uri="{BB962C8B-B14F-4D97-AF65-F5344CB8AC3E}">
-        <p14:creationId xmlns:p14="http://schemas.microsoft.com/office/powerpoint/2010/main" xmlns="" val="3145618691"/>
+        <p14:creationId xmlns:p14="http://schemas.microsoft.com/office/powerpoint/2010/main" val="3145618691"/>
       </p:ext>
     </p:extLst>
   </p:cSld>
@@ -10285,7 +10479,18 @@
           <a:p>
             <a:pPr algn="just"/>
             <a:r>
-              <a:rPr lang="en-US" sz="2300" smtClean="0"/>
+              <a:rPr lang="en-US" sz="2300" dirty="0"/>
+              <a:t>Blood Donation Camp &amp; Camp </a:t>
+            </a:r>
+            <a:r>
+              <a:rPr lang="en-US" sz="2300" dirty="0" smtClean="0"/>
+              <a:t>Organizer Management</a:t>
+            </a:r>
+          </a:p>
+          <a:p>
+            <a:pPr algn="just"/>
+            <a:r>
+              <a:rPr lang="en-US" sz="2300" dirty="0"/>
               <a:t>Donor </a:t>
             </a:r>
             <a:r>
@@ -10354,18 +10559,7 @@
             <a:pPr algn="just"/>
             <a:r>
               <a:rPr lang="en-US" sz="2300" dirty="0"/>
-              <a:t>List of Donors who are eligible for donation on a particular date with contact Number</a:t>
-            </a:r>
-            <a:r>
-              <a:rPr lang="en-US" sz="2300" dirty="0" smtClean="0"/>
-              <a:t>.</a:t>
-            </a:r>
-          </a:p>
-          <a:p>
-            <a:pPr algn="just"/>
-            <a:r>
-              <a:rPr lang="en-US" sz="2300" dirty="0" smtClean="0"/>
-              <a:t>Blood Donation Camp &amp; Camp Organizer Management</a:t>
+              <a:t>List of Donors who are eligible for donation on a particular date with contact Number.</a:t>
             </a:r>
             <a:endParaRPr lang="en-US" sz="2300" dirty="0" smtClean="0"/>
           </a:p>
@@ -10426,7 +10620,7 @@
     </p:spTree>
     <p:extLst>
       <p:ext uri="{BB962C8B-B14F-4D97-AF65-F5344CB8AC3E}">
-        <p14:creationId xmlns:p14="http://schemas.microsoft.com/office/powerpoint/2010/main" xmlns="" val="203231617"/>
+        <p14:creationId xmlns:p14="http://schemas.microsoft.com/office/powerpoint/2010/main" val="203231617"/>
       </p:ext>
     </p:extLst>
   </p:cSld>
@@ -10573,7 +10767,7 @@
     </p:spTree>
     <p:extLst>
       <p:ext uri="{BB962C8B-B14F-4D97-AF65-F5344CB8AC3E}">
-        <p14:creationId xmlns:p14="http://schemas.microsoft.com/office/powerpoint/2010/main" xmlns="" val="2811888082"/>
+        <p14:creationId xmlns:p14="http://schemas.microsoft.com/office/powerpoint/2010/main" val="2811888082"/>
       </p:ext>
     </p:extLst>
   </p:cSld>
@@ -10617,7 +10811,12 @@
             <p:ph sz="quarter" idx="1"/>
           </p:nvPr>
         </p:nvSpPr>
-        <p:spPr/>
+        <p:spPr>
+          <a:xfrm>
+            <a:off x="457200" y="1828800"/>
+            <a:ext cx="7467600" cy="2971800"/>
+          </a:xfrm>
+        </p:spPr>
         <p:txBody>
           <a:bodyPr>
             <a:normAutofit/>
@@ -10665,8 +10864,8 @@
               <a:t>Blood service </a:t>
             </a:r>
             <a:r>
-              <a:rPr lang="en-US" dirty="0" err="1" smtClean="0"/>
-              <a:t>agencie</a:t>
+              <a:rPr lang="en-US" dirty="0" smtClean="0"/>
+              <a:t>agencies</a:t>
             </a:r>
             <a:endParaRPr lang="en-US" dirty="0"/>
           </a:p>
@@ -10723,7 +10922,7 @@
     </p:spTree>
     <p:extLst>
       <p:ext uri="{BB962C8B-B14F-4D97-AF65-F5344CB8AC3E}">
-        <p14:creationId xmlns:p14="http://schemas.microsoft.com/office/powerpoint/2010/main" xmlns="" val="3057132726"/>
+        <p14:creationId xmlns:p14="http://schemas.microsoft.com/office/powerpoint/2010/main" val="3057132726"/>
       </p:ext>
     </p:extLst>
   </p:cSld>
@@ -10772,87 +10971,65 @@
           <a:bodyPr/>
           <a:lstStyle/>
           <a:p>
+            <a:pPr marL="0" indent="0" algn="just">
+              <a:buNone/>
+            </a:pPr>
+            <a:r>
+              <a:rPr lang="en-US" dirty="0" smtClean="0"/>
+              <a:t>Basically two types of user are Blood Donor &amp; Blood Seeker</a:t>
+            </a:r>
+          </a:p>
+          <a:p>
             <a:pPr algn="just"/>
             <a:r>
-              <a:rPr lang="en-US" dirty="0" smtClean="0"/>
-              <a:t>Microsoft </a:t>
-            </a:r>
-            <a:r>
-              <a:rPr lang="en-US" dirty="0"/>
-              <a:t>Visual Studio </a:t>
-            </a:r>
-            <a:r>
-              <a:rPr lang="en-US" dirty="0" smtClean="0"/>
-              <a:t>2010 as </a:t>
-            </a:r>
-            <a:r>
-              <a:rPr lang="en-US" dirty="0"/>
-              <a:t>Integrated Development Environment (IDE) </a:t>
-            </a:r>
-            <a:r>
-              <a:rPr lang="en-US" dirty="0" smtClean="0"/>
-              <a:t>tool</a:t>
-            </a:r>
+              <a:rPr lang="en-US" sz="2000" dirty="0" smtClean="0"/>
+              <a:t>Can get efficient </a:t>
+            </a:r>
+            <a:r>
+              <a:rPr lang="en-US" sz="2000" dirty="0"/>
+              <a:t>donor and blood stock management functions</a:t>
+            </a:r>
+            <a:endParaRPr lang="en-US" sz="2000" dirty="0" smtClean="0"/>
           </a:p>
           <a:p>
             <a:pPr algn="just"/>
             <a:r>
-              <a:rPr lang="en-US" dirty="0"/>
-              <a:t>SQL Server Express </a:t>
-            </a:r>
-            <a:r>
-              <a:rPr lang="en-US" dirty="0" smtClean="0"/>
-              <a:t>edition for </a:t>
-            </a:r>
-            <a:r>
-              <a:rPr lang="en-US" dirty="0"/>
-              <a:t>Database Management System (DBMS</a:t>
-            </a:r>
-            <a:r>
-              <a:rPr lang="en-US" dirty="0" smtClean="0"/>
-              <a:t>)</a:t>
+              <a:rPr lang="en-US" sz="2000" dirty="0" smtClean="0"/>
+              <a:t>Blood Donor can create profile for blood seeker to get info about them</a:t>
             </a:r>
           </a:p>
           <a:p>
             <a:pPr algn="just"/>
             <a:r>
-              <a:rPr lang="en-US" dirty="0"/>
-              <a:t>Server Container: MS </a:t>
-            </a:r>
-            <a:r>
-              <a:rPr lang="en-US" dirty="0" smtClean="0"/>
-              <a:t>IIS</a:t>
+              <a:rPr lang="en-US" sz="2000" dirty="0" smtClean="0"/>
+              <a:t>Blood </a:t>
+            </a:r>
+            <a:r>
+              <a:rPr lang="en-US" sz="2000" dirty="0"/>
+              <a:t>Donor </a:t>
+            </a:r>
+            <a:r>
+              <a:rPr lang="en-US" sz="2000" dirty="0" smtClean="0"/>
+              <a:t> can denote blood in request from blood seeker</a:t>
             </a:r>
           </a:p>
           <a:p>
             <a:pPr algn="just"/>
             <a:r>
-              <a:rPr lang="en-US" dirty="0"/>
-              <a:t>Technology: </a:t>
-            </a:r>
-            <a:r>
-              <a:rPr lang="en-US" dirty="0" err="1"/>
-              <a:t>ASP.Net</a:t>
-            </a:r>
-            <a:r>
-              <a:rPr lang="en-US" dirty="0"/>
-              <a:t> 3.2, </a:t>
-            </a:r>
-            <a:r>
-              <a:rPr lang="en-US" dirty="0" err="1"/>
-              <a:t>JQuery</a:t>
-            </a:r>
-            <a:r>
-              <a:rPr lang="en-US" dirty="0"/>
-              <a:t>, XML, JavaScript, Ajax, HTML, </a:t>
-            </a:r>
-            <a:r>
-              <a:rPr lang="en-US" dirty="0" smtClean="0"/>
-              <a:t>CSS</a:t>
-            </a:r>
-          </a:p>
-          <a:p>
-            <a:endParaRPr lang="en-US" dirty="0"/>
+              <a:rPr lang="en-US" sz="2000" dirty="0" smtClean="0"/>
+              <a:t>Blood Seeker easily get details info about nearest blood donor.</a:t>
+            </a:r>
+          </a:p>
+          <a:p>
+            <a:pPr algn="just"/>
+            <a:r>
+              <a:rPr lang="en-US" sz="2000" dirty="0"/>
+              <a:t>Blood Seeker </a:t>
+            </a:r>
+            <a:r>
+              <a:rPr lang="en-US" sz="2000" dirty="0" smtClean="0"/>
+              <a:t> can make request on urgent &amp; need basis.</a:t>
+            </a:r>
           </a:p>
         </p:txBody>
       </p:sp>
@@ -10896,7 +11073,7 @@
               <a:rPr lang="en-US" b="1" u="sng" dirty="0" smtClean="0">
                 <a:latin typeface="Lucida Handwriting" pitchFamily="66" charset="0"/>
               </a:rPr>
-              <a:t>Tools used for this project</a:t>
+              <a:t>User Benefits from this social networking site</a:t>
             </a:r>
             <a:endParaRPr lang="en-US" b="1" u="sng" dirty="0">
               <a:latin typeface="Lucida Handwriting" pitchFamily="66" charset="0"/>
@@ -10907,7 +11084,7 @@
     </p:spTree>
     <p:extLst>
       <p:ext uri="{BB962C8B-B14F-4D97-AF65-F5344CB8AC3E}">
-        <p14:creationId xmlns:p14="http://schemas.microsoft.com/office/powerpoint/2010/main" xmlns="" val="621786461"/>
+        <p14:creationId xmlns:p14="http://schemas.microsoft.com/office/powerpoint/2010/main" val="1303916048"/>
       </p:ext>
     </p:extLst>
   </p:cSld>
